--- a/1.0.4/presentatie/Presentatie 18-3-2021.pptx
+++ b/1.0.4/presentatie/Presentatie 18-3-2021.pptx
@@ -7,10 +7,10 @@
     <p:sldMasterId id="2147483648" r:id="rId7"/>
   </p:sldMasterIdLst>
   <p:notesMasterIdLst>
-    <p:notesMasterId r:id="rId14"/>
+    <p:notesMasterId r:id="rId15"/>
   </p:notesMasterIdLst>
   <p:handoutMasterIdLst>
-    <p:handoutMasterId r:id="rId15"/>
+    <p:handoutMasterId r:id="rId16"/>
   </p:handoutMasterIdLst>
   <p:sldIdLst>
     <p:sldId id="416" r:id="rId8"/>
@@ -19,6 +19,7 @@
     <p:sldId id="1093" r:id="rId11"/>
     <p:sldId id="1094" r:id="rId12"/>
     <p:sldId id="1095" r:id="rId13"/>
+    <p:sldId id="1096" r:id="rId14"/>
   </p:sldIdLst>
   <p:sldSz cx="9144000" cy="6858000" type="screen4x3"/>
   <p:notesSz cx="6805613" cy="9944100"/>
@@ -442,7 +443,7 @@
             <a:fld id="{5E91B6F3-CFB3-4D49-96AD-77DCFD4FE18E}" type="datetime1">
               <a:rPr lang="nl-NL" altLang="nl-NL"/>
               <a:pPr/>
-              <a:t>18-3-2021</a:t>
+              <a:t>22-3-2021</a:t>
             </a:fld>
             <a:endParaRPr lang="nl-NL" altLang="nl-NL"/>
           </a:p>
@@ -633,7 +634,7 @@
             <a:fld id="{6613750B-EFFA-4E2D-A381-E5749A0A6B87}" type="datetime1">
               <a:rPr lang="nl-NL" altLang="nl-NL"/>
               <a:pPr/>
-              <a:t>18-3-2021</a:t>
+              <a:t>22-3-2021</a:t>
             </a:fld>
             <a:endParaRPr lang="nl-NL" altLang="nl-NL"/>
           </a:p>
@@ -1269,7 +1270,7 @@
             <a:fld id="{33B407B4-DD70-D045-8D0A-4EFC055441BF}" type="datetime3">
               <a:rPr lang="nl-NL" smtClean="0"/>
               <a:pPr/>
-              <a:t>18/3/21</a:t>
+              <a:t>22/3/21</a:t>
             </a:fld>
             <a:endParaRPr lang="nl-NL" dirty="0"/>
           </a:p>
@@ -1455,7 +1456,7 @@
             <a:fld id="{33B407B4-DD70-D045-8D0A-4EFC055441BF}" type="datetime3">
               <a:rPr lang="nl-NL" smtClean="0"/>
               <a:pPr/>
-              <a:t>18/3/21</a:t>
+              <a:t>22/3/21</a:t>
             </a:fld>
             <a:endParaRPr lang="nl-NL" dirty="0"/>
           </a:p>
@@ -1583,7 +1584,7 @@
           <a:p>
             <a:fld id="{D1DFE7D8-F88C-7D40-907E-D9097A317F80}" type="datetimeFigureOut">
               <a:rPr lang="en-US" smtClean="0"/>
-              <a:t>3/18/2021</a:t>
+              <a:t>3/22/2021</a:t>
             </a:fld>
             <a:endParaRPr lang="en-US"/>
           </a:p>
@@ -1690,7 +1691,7 @@
           <a:p>
             <a:fld id="{EBBE4B90-5F3D-4E50-A2ED-FAC59CAA5D3F}" type="datetimeFigureOut">
               <a:rPr lang="nl-NL" smtClean="0"/>
-              <a:t>18-3-2021</a:t>
+              <a:t>22-3-2021</a:t>
             </a:fld>
             <a:endParaRPr lang="nl-NL"/>
           </a:p>
@@ -2084,7 +2085,7 @@
           <a:p>
             <a:fld id="{33B407B4-DD70-D045-8D0A-4EFC055441BF}" type="datetime3">
               <a:rPr lang="nl-NL" smtClean="0"/>
-              <a:t>18/3/21</a:t>
+              <a:t>22/3/21</a:t>
             </a:fld>
             <a:endParaRPr lang="nl-NL" dirty="0"/>
           </a:p>
@@ -5381,7 +5382,7 @@
             </a:br>
             <a:r>
               <a:rPr lang="nl-NL" sz="3100" dirty="0"/>
-              <a:t>18 maart 2021</a:t>
+              <a:t>22 maart 2021</a:t>
             </a:r>
             <a:br>
               <a:rPr lang="nl-NL" sz="3100" dirty="0"/>
@@ -6946,6 +6947,266 @@
     <p:extLst>
       <p:ext uri="{BB962C8B-B14F-4D97-AF65-F5344CB8AC3E}">
         <p14:creationId xmlns:p14="http://schemas.microsoft.com/office/powerpoint/2010/main" val="1925955483"/>
+      </p:ext>
+    </p:extLst>
+  </p:cSld>
+  <p:clrMapOvr>
+    <a:masterClrMapping/>
+  </p:clrMapOvr>
+</p:sld>
+</file>
+
+<file path=ppt/slides/slide7.xml><?xml version="1.0" encoding="utf-8"?>
+<p:sld xmlns:a="http://schemas.openxmlformats.org/drawingml/2006/main" xmlns:r="http://schemas.openxmlformats.org/officeDocument/2006/relationships" xmlns:p="http://schemas.openxmlformats.org/presentationml/2006/main">
+  <p:cSld>
+    <p:spTree>
+      <p:nvGrpSpPr>
+        <p:cNvPr id="1" name=""/>
+        <p:cNvGrpSpPr/>
+        <p:nvPr/>
+      </p:nvGrpSpPr>
+      <p:grpSpPr>
+        <a:xfrm>
+          <a:off x="0" y="0"/>
+          <a:ext cx="0" cy="0"/>
+          <a:chOff x="0" y="0"/>
+          <a:chExt cx="0" cy="0"/>
+        </a:xfrm>
+      </p:grpSpPr>
+      <p:sp>
+        <p:nvSpPr>
+          <p:cNvPr id="2" name="Titel 1">
+            <a:extLst>
+              <a:ext uri="{FF2B5EF4-FFF2-40B4-BE49-F238E27FC236}">
+                <a16:creationId xmlns:a16="http://schemas.microsoft.com/office/drawing/2014/main" id="{1CCCF197-1AEC-4934-8B9A-88B5B661979D}"/>
+              </a:ext>
+            </a:extLst>
+          </p:cNvPr>
+          <p:cNvSpPr>
+            <a:spLocks noGrp="1"/>
+          </p:cNvSpPr>
+          <p:nvPr>
+            <p:ph type="title"/>
+          </p:nvPr>
+        </p:nvSpPr>
+        <p:spPr/>
+        <p:txBody>
+          <a:bodyPr/>
+          <a:lstStyle/>
+          <a:p>
+            <a:r>
+              <a:rPr lang="nl-NL" dirty="0"/>
+              <a:t>Uitdagingen</a:t>
+            </a:r>
+          </a:p>
+        </p:txBody>
+      </p:sp>
+      <p:sp>
+        <p:nvSpPr>
+          <p:cNvPr id="3" name="Tijdelijke aanduiding voor inhoud 2">
+            <a:extLst>
+              <a:ext uri="{FF2B5EF4-FFF2-40B4-BE49-F238E27FC236}">
+                <a16:creationId xmlns:a16="http://schemas.microsoft.com/office/drawing/2014/main" id="{BFDC3EFE-6550-4423-AAAE-332CA9C97D2D}"/>
+              </a:ext>
+            </a:extLst>
+          </p:cNvPr>
+          <p:cNvSpPr>
+            <a:spLocks noGrp="1"/>
+          </p:cNvSpPr>
+          <p:nvPr>
+            <p:ph sz="half" idx="1"/>
+          </p:nvPr>
+        </p:nvSpPr>
+        <p:spPr/>
+        <p:txBody>
+          <a:bodyPr/>
+          <a:lstStyle/>
+          <a:p>
+            <a:r>
+              <a:rPr lang="nl-NL" sz="1400" dirty="0"/>
+              <a:t>Er zijn enkele soorten </a:t>
+            </a:r>
+            <a:r>
+              <a:rPr lang="nl-NL" sz="1400" dirty="0" err="1"/>
+              <a:t>hooghangend</a:t>
+            </a:r>
+            <a:r>
+              <a:rPr lang="nl-NL" sz="1400" dirty="0"/>
+              <a:t> fruit die ik later pluk. Totaal is dit zo’n 30% van de </a:t>
+            </a:r>
+            <a:r>
+              <a:rPr lang="nl-NL" sz="1400" dirty="0" err="1"/>
+              <a:t>validaties</a:t>
+            </a:r>
+            <a:r>
+              <a:rPr lang="nl-NL" sz="1400" dirty="0"/>
+              <a:t>:</a:t>
+            </a:r>
+          </a:p>
+          <a:p>
+            <a:pPr>
+              <a:buAutoNum type="arabicParenR"/>
+            </a:pPr>
+            <a:r>
+              <a:rPr lang="nl-NL" sz="1400" dirty="0"/>
+              <a:t>Al de validatie-tests die ik tot nu toe produceer kunnen worden getest door een enkele post. Om te zorgen dat dit efficiënt en foutloos gebeurt is er een code-infrastructuur. Er moet een code infrastructuur worden aangebouwd die ook het </a:t>
+            </a:r>
+            <a:r>
+              <a:rPr lang="nl-NL" sz="1400" dirty="0" err="1"/>
+              <a:t>hooghangend</a:t>
+            </a:r>
+            <a:r>
+              <a:rPr lang="nl-NL" sz="1400" dirty="0"/>
+              <a:t> fruit aanpakt.</a:t>
+            </a:r>
+          </a:p>
+          <a:p>
+            <a:pPr>
+              <a:buFontTx/>
+              <a:buAutoNum type="arabicParenR"/>
+            </a:pPr>
+            <a:r>
+              <a:rPr lang="nl-NL" sz="1400" dirty="0"/>
+              <a:t>Sommige </a:t>
+            </a:r>
+            <a:r>
+              <a:rPr lang="nl-NL" sz="1400" dirty="0" err="1"/>
+              <a:t>requirements</a:t>
+            </a:r>
+            <a:r>
+              <a:rPr lang="nl-NL" sz="1400" dirty="0"/>
+              <a:t> begrijp ik niet goed. Ik moet hier met iemand doorheen lopen, op een moment dat dit goed uitkomt, qua stand van zaken van mijn werkzaamheden</a:t>
+            </a:r>
+          </a:p>
+          <a:p>
+            <a:pPr>
+              <a:buAutoNum type="arabicParenR"/>
+            </a:pPr>
+            <a:endParaRPr lang="nl-NL" sz="1400" dirty="0"/>
+          </a:p>
+        </p:txBody>
+      </p:sp>
+      <p:sp>
+        <p:nvSpPr>
+          <p:cNvPr id="5" name="Tijdelijke aanduiding voor voettekst 4">
+            <a:extLst>
+              <a:ext uri="{FF2B5EF4-FFF2-40B4-BE49-F238E27FC236}">
+                <a16:creationId xmlns:a16="http://schemas.microsoft.com/office/drawing/2014/main" id="{7CEE3777-0259-47E4-95D9-DB1647726D56}"/>
+              </a:ext>
+            </a:extLst>
+          </p:cNvPr>
+          <p:cNvSpPr>
+            <a:spLocks noGrp="1"/>
+          </p:cNvSpPr>
+          <p:nvPr>
+            <p:ph type="ftr" sz="quarter" idx="10"/>
+          </p:nvPr>
+        </p:nvSpPr>
+        <p:spPr/>
+        <p:txBody>
+          <a:bodyPr/>
+          <a:lstStyle/>
+          <a:p>
+            <a:pPr>
+              <a:defRPr/>
+            </a:pPr>
+            <a:r>
+              <a:rPr lang="nl-NL" dirty="0"/>
+              <a:t>Uitdagingen</a:t>
+            </a:r>
+          </a:p>
+        </p:txBody>
+      </p:sp>
+      <p:sp>
+        <p:nvSpPr>
+          <p:cNvPr id="6" name="Tijdelijke aanduiding voor datum 5">
+            <a:extLst>
+              <a:ext uri="{FF2B5EF4-FFF2-40B4-BE49-F238E27FC236}">
+                <a16:creationId xmlns:a16="http://schemas.microsoft.com/office/drawing/2014/main" id="{5C22C3F1-5DC1-429D-B7DA-EDCF404CA2B4}"/>
+              </a:ext>
+            </a:extLst>
+          </p:cNvPr>
+          <p:cNvSpPr>
+            <a:spLocks noGrp="1"/>
+          </p:cNvSpPr>
+          <p:nvPr>
+            <p:ph type="dt" sz="half" idx="11"/>
+          </p:nvPr>
+        </p:nvSpPr>
+        <p:spPr/>
+        <p:txBody>
+          <a:bodyPr/>
+          <a:lstStyle/>
+          <a:p>
+            <a:pPr>
+              <a:defRPr/>
+            </a:pPr>
+            <a:r>
+              <a:rPr lang="nl-NL" dirty="0"/>
+              <a:t>22-maart-2021</a:t>
+            </a:r>
+          </a:p>
+        </p:txBody>
+      </p:sp>
+      <p:sp>
+        <p:nvSpPr>
+          <p:cNvPr id="9" name="Tijdelijke aanduiding voor inhoud 8">
+            <a:extLst>
+              <a:ext uri="{FF2B5EF4-FFF2-40B4-BE49-F238E27FC236}">
+                <a16:creationId xmlns:a16="http://schemas.microsoft.com/office/drawing/2014/main" id="{18B8EE5A-312C-45D6-8C90-2B67140FDA71}"/>
+              </a:ext>
+            </a:extLst>
+          </p:cNvPr>
+          <p:cNvSpPr>
+            <a:spLocks noGrp="1"/>
+          </p:cNvSpPr>
+          <p:nvPr>
+            <p:ph sz="half" idx="2"/>
+          </p:nvPr>
+        </p:nvSpPr>
+        <p:spPr/>
+        <p:txBody>
+          <a:bodyPr/>
+          <a:lstStyle/>
+          <a:p>
+            <a:endParaRPr lang="nl-NL" dirty="0"/>
+          </a:p>
+        </p:txBody>
+      </p:sp>
+      <p:pic>
+        <p:nvPicPr>
+          <p:cNvPr id="11" name="Afbeelding 10">
+            <a:extLst>
+              <a:ext uri="{FF2B5EF4-FFF2-40B4-BE49-F238E27FC236}">
+                <a16:creationId xmlns:a16="http://schemas.microsoft.com/office/drawing/2014/main" id="{49B79C7C-6C1E-4EDA-9793-BA021C2B565C}"/>
+              </a:ext>
+            </a:extLst>
+          </p:cNvPr>
+          <p:cNvPicPr>
+            <a:picLocks noChangeAspect="1"/>
+          </p:cNvPicPr>
+          <p:nvPr/>
+        </p:nvPicPr>
+        <p:blipFill>
+          <a:blip r:embed="rId2"/>
+          <a:stretch>
+            <a:fillRect/>
+          </a:stretch>
+        </p:blipFill>
+        <p:spPr>
+          <a:xfrm>
+            <a:off x="4707038" y="4632081"/>
+            <a:ext cx="4129200" cy="1300077"/>
+          </a:xfrm>
+          <a:prstGeom prst="rect">
+            <a:avLst/>
+          </a:prstGeom>
+        </p:spPr>
+      </p:pic>
+    </p:spTree>
+    <p:extLst>
+      <p:ext uri="{BB962C8B-B14F-4D97-AF65-F5344CB8AC3E}">
+        <p14:creationId xmlns:p14="http://schemas.microsoft.com/office/powerpoint/2010/main" val="2288190436"/>
       </p:ext>
     </p:extLst>
   </p:cSld>
@@ -9720,6 +9981,77 @@
 </file>
 
 <file path=customXml/item2.xml><?xml version="1.0" encoding="utf-8"?>
+<p:properties xmlns:p="http://schemas.microsoft.com/office/2006/metadata/properties" xmlns:xsi="http://www.w3.org/2001/XMLSchema-instance" xmlns:pc="http://schemas.microsoft.com/office/infopath/2007/PartnerControls">
+  <documentManagement>
+    <Deelprogramma xmlns="68019975-363f-4a6f-97d7-c8b7be6847ae">DSO</Deelprogramma>
+    <Eigenaarschap xmlns="68019975-363f-4a6f-97d7-c8b7be6847ae">Programmateam DSO</Eigenaarschap>
+    <_Status xmlns="http://schemas.microsoft.com/sharepoint/v3/fields" xsi:nil="true"/>
+    <Datum_x0020_document xmlns="68019975-363f-4a6f-97d7-c8b7be6847ae" xsi:nil="true"/>
+    <Documentsoort xmlns="68019975-363f-4a6f-97d7-c8b7be6847ae" xsi:nil="true"/>
+    <Archiefwaardig_x0020_document xmlns="68019975-363f-4a6f-97d7-c8b7be6847ae" xsi:nil="true"/>
+    <Toelichting xmlns="68019975-363f-4a6f-97d7-c8b7be6847ae" xsi:nil="true"/>
+    <Geadresseerde xmlns="68019975-363f-4a6f-97d7-c8b7be6847ae" xsi:nil="true"/>
+    <_dlc_DocId xmlns="68019975-363f-4a6f-97d7-c8b7be6847ae">0003-9-1621</_dlc_DocId>
+    <_dlc_DocIdUrl xmlns="68019975-363f-4a6f-97d7-c8b7be6847ae">
+      <Url>https://www.samenwerkruimten.nl/teamsites/aandeslagmetdso/_layouts/15/DocIdRedir.aspx?ID=0003-9-1621</Url>
+      <Description>0003-9-1621</Description>
+    </_dlc_DocIdUrl>
+    <Versie_x0020_nr xmlns="68019975-363f-4a6f-97d7-c8b7be6847ae" xsi:nil="true"/>
+  </documentManagement>
+</p:properties>
+</file>
+
+<file path=customXml/item3.xml><?xml version="1.0" encoding="utf-8"?>
+<?mso-contentType ?>
+<spe:Receivers xmlns:spe="http://schemas.microsoft.com/sharepoint/events">
+  <Receiver>
+    <Name>Document ID Generator</Name>
+    <Synchronization>Synchronous</Synchronization>
+    <Type>10001</Type>
+    <SequenceNumber>1000</SequenceNumber>
+    <Url/>
+    <Assembly>Microsoft.Office.DocumentManagement, Version=15.0.0.0, Culture=neutral, PublicKeyToken=71e9bce111e9429c</Assembly>
+    <Class>Microsoft.Office.DocumentManagement.Internal.DocIdHandler</Class>
+    <Data/>
+    <Filter/>
+  </Receiver>
+  <Receiver>
+    <Name>Document ID Generator</Name>
+    <Synchronization>Synchronous</Synchronization>
+    <Type>10002</Type>
+    <SequenceNumber>1001</SequenceNumber>
+    <Url/>
+    <Assembly>Microsoft.Office.DocumentManagement, Version=15.0.0.0, Culture=neutral, PublicKeyToken=71e9bce111e9429c</Assembly>
+    <Class>Microsoft.Office.DocumentManagement.Internal.DocIdHandler</Class>
+    <Data/>
+    <Filter/>
+  </Receiver>
+  <Receiver>
+    <Name>Document ID Generator</Name>
+    <Synchronization>Synchronous</Synchronization>
+    <Type>10004</Type>
+    <SequenceNumber>1002</SequenceNumber>
+    <Url/>
+    <Assembly>Microsoft.Office.DocumentManagement, Version=15.0.0.0, Culture=neutral, PublicKeyToken=71e9bce111e9429c</Assembly>
+    <Class>Microsoft.Office.DocumentManagement.Internal.DocIdHandler</Class>
+    <Data/>
+    <Filter/>
+  </Receiver>
+  <Receiver>
+    <Name>Document ID Generator</Name>
+    <Synchronization>Synchronous</Synchronization>
+    <Type>10006</Type>
+    <SequenceNumber>1003</SequenceNumber>
+    <Url/>
+    <Assembly>Microsoft.Office.DocumentManagement, Version=15.0.0.0, Culture=neutral, PublicKeyToken=71e9bce111e9429c</Assembly>
+    <Class>Microsoft.Office.DocumentManagement.Internal.DocIdHandler</Class>
+    <Data/>
+    <Filter/>
+  </Receiver>
+</spe:Receivers>
+</file>
+
+<file path=customXml/item4.xml><?xml version="1.0" encoding="utf-8"?>
 <ct:contentTypeSchema xmlns:ct="http://schemas.microsoft.com/office/2006/metadata/contentType" xmlns:ma="http://schemas.microsoft.com/office/2006/metadata/properties/metaAttributes" ct:_="" ma:_="" ma:contentTypeName="Document" ma:contentTypeID="0x010100E1B2C52FF76B34499BEFB059C9EF74D7" ma:contentTypeVersion="10" ma:contentTypeDescription="Een nieuw document maken." ma:contentTypeScope="" ma:versionID="0c08e4c9394ffdd8b54b0933071ed0b0">
   <xsd:schema xmlns:xsd="http://www.w3.org/2001/XMLSchema" xmlns:xs="http://www.w3.org/2001/XMLSchema" xmlns:p="http://schemas.microsoft.com/office/2006/metadata/properties" xmlns:ns2="68019975-363f-4a6f-97d7-c8b7be6847ae" xmlns:ns3="http://schemas.microsoft.com/sharepoint/v3/fields" targetNamespace="http://schemas.microsoft.com/office/2006/metadata/properties" ma:root="true" ma:fieldsID="403f8694ec7af7ba4c1f2b8c410ea9bf" ns2:_="" ns3:_="">
     <xsd:import namespace="68019975-363f-4a6f-97d7-c8b7be6847ae"/>
@@ -9993,77 +10325,6 @@
 </ct:contentTypeSchema>
 </file>
 
-<file path=customXml/item3.xml><?xml version="1.0" encoding="utf-8"?>
-<?mso-contentType ?>
-<spe:Receivers xmlns:spe="http://schemas.microsoft.com/sharepoint/events">
-  <Receiver>
-    <Name>Document ID Generator</Name>
-    <Synchronization>Synchronous</Synchronization>
-    <Type>10001</Type>
-    <SequenceNumber>1000</SequenceNumber>
-    <Url/>
-    <Assembly>Microsoft.Office.DocumentManagement, Version=15.0.0.0, Culture=neutral, PublicKeyToken=71e9bce111e9429c</Assembly>
-    <Class>Microsoft.Office.DocumentManagement.Internal.DocIdHandler</Class>
-    <Data/>
-    <Filter/>
-  </Receiver>
-  <Receiver>
-    <Name>Document ID Generator</Name>
-    <Synchronization>Synchronous</Synchronization>
-    <Type>10002</Type>
-    <SequenceNumber>1001</SequenceNumber>
-    <Url/>
-    <Assembly>Microsoft.Office.DocumentManagement, Version=15.0.0.0, Culture=neutral, PublicKeyToken=71e9bce111e9429c</Assembly>
-    <Class>Microsoft.Office.DocumentManagement.Internal.DocIdHandler</Class>
-    <Data/>
-    <Filter/>
-  </Receiver>
-  <Receiver>
-    <Name>Document ID Generator</Name>
-    <Synchronization>Synchronous</Synchronization>
-    <Type>10004</Type>
-    <SequenceNumber>1002</SequenceNumber>
-    <Url/>
-    <Assembly>Microsoft.Office.DocumentManagement, Version=15.0.0.0, Culture=neutral, PublicKeyToken=71e9bce111e9429c</Assembly>
-    <Class>Microsoft.Office.DocumentManagement.Internal.DocIdHandler</Class>
-    <Data/>
-    <Filter/>
-  </Receiver>
-  <Receiver>
-    <Name>Document ID Generator</Name>
-    <Synchronization>Synchronous</Synchronization>
-    <Type>10006</Type>
-    <SequenceNumber>1003</SequenceNumber>
-    <Url/>
-    <Assembly>Microsoft.Office.DocumentManagement, Version=15.0.0.0, Culture=neutral, PublicKeyToken=71e9bce111e9429c</Assembly>
-    <Class>Microsoft.Office.DocumentManagement.Internal.DocIdHandler</Class>
-    <Data/>
-    <Filter/>
-  </Receiver>
-</spe:Receivers>
-</file>
-
-<file path=customXml/item4.xml><?xml version="1.0" encoding="utf-8"?>
-<p:properties xmlns:p="http://schemas.microsoft.com/office/2006/metadata/properties" xmlns:xsi="http://www.w3.org/2001/XMLSchema-instance" xmlns:pc="http://schemas.microsoft.com/office/infopath/2007/PartnerControls">
-  <documentManagement>
-    <Deelprogramma xmlns="68019975-363f-4a6f-97d7-c8b7be6847ae">DSO</Deelprogramma>
-    <Eigenaarschap xmlns="68019975-363f-4a6f-97d7-c8b7be6847ae">Programmateam DSO</Eigenaarschap>
-    <_Status xmlns="http://schemas.microsoft.com/sharepoint/v3/fields" xsi:nil="true"/>
-    <Datum_x0020_document xmlns="68019975-363f-4a6f-97d7-c8b7be6847ae" xsi:nil="true"/>
-    <Documentsoort xmlns="68019975-363f-4a6f-97d7-c8b7be6847ae" xsi:nil="true"/>
-    <Archiefwaardig_x0020_document xmlns="68019975-363f-4a6f-97d7-c8b7be6847ae" xsi:nil="true"/>
-    <Toelichting xmlns="68019975-363f-4a6f-97d7-c8b7be6847ae" xsi:nil="true"/>
-    <Geadresseerde xmlns="68019975-363f-4a6f-97d7-c8b7be6847ae" xsi:nil="true"/>
-    <_dlc_DocId xmlns="68019975-363f-4a6f-97d7-c8b7be6847ae">0003-9-1621</_dlc_DocId>
-    <_dlc_DocIdUrl xmlns="68019975-363f-4a6f-97d7-c8b7be6847ae">
-      <Url>https://www.samenwerkruimten.nl/teamsites/aandeslagmetdso/_layouts/15/DocIdRedir.aspx?ID=0003-9-1621</Url>
-      <Description>0003-9-1621</Description>
-    </_dlc_DocIdUrl>
-    <Versie_x0020_nr xmlns="68019975-363f-4a6f-97d7-c8b7be6847ae" xsi:nil="true"/>
-  </documentManagement>
-</p:properties>
-</file>
-
 <file path=customXml/itemProps1.xml><?xml version="1.0" encoding="utf-8"?>
 <ds:datastoreItem xmlns:ds="http://schemas.openxmlformats.org/officeDocument/2006/customXml" ds:itemID="{F16ED05D-3E72-420D-ACEE-B86DED928F7D}">
   <ds:schemaRefs>
@@ -10073,6 +10334,31 @@
 </file>
 
 <file path=customXml/itemProps2.xml><?xml version="1.0" encoding="utf-8"?>
+<ds:datastoreItem xmlns:ds="http://schemas.openxmlformats.org/officeDocument/2006/customXml" ds:itemID="{C42B73A8-D2CC-4BA7-A9B4-AEC3C08775EB}">
+  <ds:schemaRefs>
+    <ds:schemaRef ds:uri="http://schemas.microsoft.com/office/2006/metadata/properties"/>
+    <ds:schemaRef ds:uri="http://purl.org/dc/terms/"/>
+    <ds:schemaRef ds:uri="http://schemas.microsoft.com/sharepoint/v3/fields"/>
+    <ds:schemaRef ds:uri="http://schemas.microsoft.com/office/2006/documentManagement/types"/>
+    <ds:schemaRef ds:uri="http://schemas.microsoft.com/office/infopath/2007/PartnerControls"/>
+    <ds:schemaRef ds:uri="http://schemas.openxmlformats.org/package/2006/metadata/core-properties"/>
+    <ds:schemaRef ds:uri="http://purl.org/dc/elements/1.1/"/>
+    <ds:schemaRef ds:uri="68019975-363f-4a6f-97d7-c8b7be6847ae"/>
+    <ds:schemaRef ds:uri="http://www.w3.org/XML/1998/namespace"/>
+    <ds:schemaRef ds:uri="http://purl.org/dc/dcmitype/"/>
+  </ds:schemaRefs>
+</ds:datastoreItem>
+</file>
+
+<file path=customXml/itemProps3.xml><?xml version="1.0" encoding="utf-8"?>
+<ds:datastoreItem xmlns:ds="http://schemas.openxmlformats.org/officeDocument/2006/customXml" ds:itemID="{D58D69C5-09E9-4C30-81E3-44F8FFB86CB7}">
+  <ds:schemaRefs>
+    <ds:schemaRef ds:uri="http://schemas.microsoft.com/sharepoint/events"/>
+  </ds:schemaRefs>
+</ds:datastoreItem>
+</file>
+
+<file path=customXml/itemProps4.xml><?xml version="1.0" encoding="utf-8"?>
 <ds:datastoreItem xmlns:ds="http://schemas.openxmlformats.org/officeDocument/2006/customXml" ds:itemID="{212D03A8-59C2-48F7-80F1-2D498EFA040E}">
   <ds:schemaRefs>
     <ds:schemaRef ds:uri="http://schemas.microsoft.com/office/2006/metadata/contentType"/>
@@ -10089,29 +10375,4 @@
     <ds:schemaRef ds:uri="http://schemas.microsoft.com/internal/obd"/>
   </ds:schemaRefs>
 </ds:datastoreItem>
-</file>
-
-<file path=customXml/itemProps3.xml><?xml version="1.0" encoding="utf-8"?>
-<ds:datastoreItem xmlns:ds="http://schemas.openxmlformats.org/officeDocument/2006/customXml" ds:itemID="{D58D69C5-09E9-4C30-81E3-44F8FFB86CB7}">
-  <ds:schemaRefs>
-    <ds:schemaRef ds:uri="http://schemas.microsoft.com/sharepoint/events"/>
-  </ds:schemaRefs>
-</ds:datastoreItem>
-</file>
-
-<file path=customXml/itemProps4.xml><?xml version="1.0" encoding="utf-8"?>
-<ds:datastoreItem xmlns:ds="http://schemas.openxmlformats.org/officeDocument/2006/customXml" ds:itemID="{C42B73A8-D2CC-4BA7-A9B4-AEC3C08775EB}">
-  <ds:schemaRefs>
-    <ds:schemaRef ds:uri="http://schemas.microsoft.com/office/2006/metadata/properties"/>
-    <ds:schemaRef ds:uri="http://purl.org/dc/terms/"/>
-    <ds:schemaRef ds:uri="http://schemas.microsoft.com/sharepoint/v3/fields"/>
-    <ds:schemaRef ds:uri="http://schemas.microsoft.com/office/2006/documentManagement/types"/>
-    <ds:schemaRef ds:uri="http://schemas.microsoft.com/office/infopath/2007/PartnerControls"/>
-    <ds:schemaRef ds:uri="http://schemas.openxmlformats.org/package/2006/metadata/core-properties"/>
-    <ds:schemaRef ds:uri="http://purl.org/dc/elements/1.1/"/>
-    <ds:schemaRef ds:uri="68019975-363f-4a6f-97d7-c8b7be6847ae"/>
-    <ds:schemaRef ds:uri="http://www.w3.org/XML/1998/namespace"/>
-    <ds:schemaRef ds:uri="http://purl.org/dc/dcmitype/"/>
-  </ds:schemaRefs>
-</ds:datastoreItem>
 </file>